--- a/ITP4Hexamguidelines.pptx
+++ b/ITP4Hexamguidelines.pptx
@@ -3377,12 +3377,12 @@
               <a:t>Introduction to programming for </a:t>
             </a:r>
             <a:r>
-              <a:rPr lang="it-IT"/>
-              <a:t>humanists </a:t>
-            </a:r>
-            <a:r>
-              <a:rPr lang="it-IT" dirty="0"/>
-              <a:t>– the final </a:t>
+              <a:rPr lang="it-IT" dirty="0" err="1"/>
+              <a:t>humanists</a:t>
+            </a:r>
+            <a:r>
+              <a:rPr lang="it-IT" dirty="0"/>
+              <a:t> – the final </a:t>
             </a:r>
             <a:r>
               <a:rPr lang="it-IT" dirty="0" err="1"/>
@@ -4295,7 +4295,7 @@
             </a:r>
             <a:r>
               <a:rPr lang="it-IT" dirty="0"/>
-              <a:t>: structure (2)</a:t>
+              <a:t>: structure (3)</a:t>
             </a:r>
             <a:endParaRPr lang="en-US" dirty="0"/>
           </a:p>
@@ -4623,7 +4623,7 @@
             </a:r>
             <a:r>
               <a:rPr lang="it-IT" dirty="0"/>
-              <a:t>: structure (2)</a:t>
+              <a:t>: structure (4)</a:t>
             </a:r>
             <a:endParaRPr lang="en-US" dirty="0"/>
           </a:p>
